--- a/21. Analise do Ciclo de Vida.pptx
+++ b/21. Analise do Ciclo de Vida.pptx
@@ -3979,45 +3979,6 @@
       </p:cxnSp>
       <p:sp>
         <p:nvSpPr>
-          <p:cNvPr id="25" name="TextBox 24">
-            <a:extLst>
-              <a:ext uri="{FF2B5EF4-FFF2-40B4-BE49-F238E27FC236}">
-                <a16:creationId xmlns:a16="http://schemas.microsoft.com/office/drawing/2014/main" id="{4CAF46BE-96AD-4F8C-A604-5B99F98A1FFF}"/>
-              </a:ext>
-            </a:extLst>
-          </p:cNvPr>
-          <p:cNvSpPr txBox="1"/>
-          <p:nvPr/>
-        </p:nvSpPr>
-        <p:spPr>
-          <a:xfrm>
-            <a:off x="7982794" y="1173021"/>
-            <a:ext cx="847242" cy="276999"/>
-          </a:xfrm>
-          <a:prstGeom prst="rect">
-            <a:avLst/>
-          </a:prstGeom>
-          <a:noFill/>
-        </p:spPr>
-        <p:txBody>
-          <a:bodyPr rot="0" spcFirstLastPara="0" vertOverflow="overflow" horzOverflow="overflow" vert="horz" wrap="square" lIns="91440" tIns="45720" rIns="91440" bIns="45720" numCol="1" spcCol="0" rtlCol="0" fromWordArt="0" anchor="t" anchorCtr="0" forceAA="0" compatLnSpc="1">
-            <a:prstTxWarp prst="textNoShape">
-              <a:avLst/>
-            </a:prstTxWarp>
-            <a:spAutoFit/>
-          </a:bodyPr>
-          <a:lstStyle/>
-          <a:p>
-            <a:pPr algn="l"/>
-            <a:r>
-              <a:rPr lang="pt-BR" sz="1200" dirty="0"/>
-              <a:t>Atendido</a:t>
-            </a:r>
-          </a:p>
-        </p:txBody>
-      </p:sp>
-      <p:sp>
-        <p:nvSpPr>
           <p:cNvPr id="36" name="TextBox 35">
             <a:extLst>
               <a:ext uri="{FF2B5EF4-FFF2-40B4-BE49-F238E27FC236}">
@@ -4288,6 +4249,49 @@
           <a:p>
             <a:pPr algn="ctr"/>
             <a:endParaRPr lang="pt-BR"/>
+          </a:p>
+        </p:txBody>
+      </p:sp>
+      <p:sp>
+        <p:nvSpPr>
+          <p:cNvPr id="3" name="CaixaDeTexto 2">
+            <a:extLst>
+              <a:ext uri="{FF2B5EF4-FFF2-40B4-BE49-F238E27FC236}">
+                <a16:creationId xmlns:a16="http://schemas.microsoft.com/office/drawing/2014/main" id="{3702B05E-24C7-47BF-BBD8-37BCA2A6432A}"/>
+              </a:ext>
+            </a:extLst>
+          </p:cNvPr>
+          <p:cNvSpPr txBox="1"/>
+          <p:nvPr/>
+        </p:nvSpPr>
+        <p:spPr>
+          <a:xfrm flipH="1">
+            <a:off x="1221794" y="3368518"/>
+            <a:ext cx="4538704" cy="646331"/>
+          </a:xfrm>
+          <a:prstGeom prst="rect">
+            <a:avLst/>
+          </a:prstGeom>
+          <a:noFill/>
+        </p:spPr>
+        <p:txBody>
+          <a:bodyPr wrap="square" rtlCol="0">
+            <a:spAutoFit/>
+          </a:bodyPr>
+          <a:lstStyle/>
+          <a:p>
+            <a:pPr algn="ctr"/>
+            <a:r>
+              <a:rPr lang="pt-BR" b="1" i="1" dirty="0"/>
+              <a:t>Ciclo de Vida Pedido</a:t>
+            </a:r>
+          </a:p>
+          <a:p>
+            <a:pPr algn="ctr"/>
+            <a:r>
+              <a:rPr lang="pt-BR" b="1" i="1" dirty="0"/>
+              <a:t>Capacidade 1</a:t>
+            </a:r>
           </a:p>
         </p:txBody>
       </p:sp>
@@ -4357,6 +4361,87 @@
           </a:prstGeom>
         </p:spPr>
       </p:pic>
+      <p:sp>
+        <p:nvSpPr>
+          <p:cNvPr id="4" name="Elipse 3">
+            <a:extLst>
+              <a:ext uri="{FF2B5EF4-FFF2-40B4-BE49-F238E27FC236}">
+                <a16:creationId xmlns:a16="http://schemas.microsoft.com/office/drawing/2014/main" id="{EBE12138-6932-4C8D-96CB-E2C5BA0E8210}"/>
+              </a:ext>
+            </a:extLst>
+          </p:cNvPr>
+          <p:cNvSpPr/>
+          <p:nvPr/>
+        </p:nvSpPr>
+        <p:spPr>
+          <a:xfrm>
+            <a:off x="4074079" y="1203733"/>
+            <a:ext cx="338530" cy="323063"/>
+          </a:xfrm>
+          <a:prstGeom prst="ellipse">
+            <a:avLst/>
+          </a:prstGeom>
+        </p:spPr>
+        <p:style>
+          <a:lnRef idx="2">
+            <a:schemeClr val="dk1">
+              <a:shade val="50000"/>
+            </a:schemeClr>
+          </a:lnRef>
+          <a:fillRef idx="1">
+            <a:schemeClr val="dk1"/>
+          </a:fillRef>
+          <a:effectRef idx="0">
+            <a:schemeClr val="dk1"/>
+          </a:effectRef>
+          <a:fontRef idx="minor">
+            <a:schemeClr val="lt1"/>
+          </a:fontRef>
+        </p:style>
+        <p:txBody>
+          <a:bodyPr rtlCol="0" anchor="ctr"/>
+          <a:lstStyle/>
+          <a:p>
+            <a:pPr algn="ctr"/>
+            <a:endParaRPr lang="pt-BR"/>
+          </a:p>
+        </p:txBody>
+      </p:sp>
+      <p:sp>
+        <p:nvSpPr>
+          <p:cNvPr id="5" name="Retângulo 4">
+            <a:extLst>
+              <a:ext uri="{FF2B5EF4-FFF2-40B4-BE49-F238E27FC236}">
+                <a16:creationId xmlns:a16="http://schemas.microsoft.com/office/drawing/2014/main" id="{3BC14394-F524-4FEE-BC9E-19FE7B1542F3}"/>
+              </a:ext>
+            </a:extLst>
+          </p:cNvPr>
+          <p:cNvSpPr/>
+          <p:nvPr/>
+        </p:nvSpPr>
+        <p:spPr>
+          <a:xfrm>
+            <a:off x="5427975" y="834401"/>
+            <a:ext cx="1470274" cy="369332"/>
+          </a:xfrm>
+          <a:prstGeom prst="rect">
+            <a:avLst/>
+          </a:prstGeom>
+        </p:spPr>
+        <p:txBody>
+          <a:bodyPr wrap="none">
+            <a:spAutoFit/>
+          </a:bodyPr>
+          <a:lstStyle/>
+          <a:p>
+            <a:pPr algn="ctr"/>
+            <a:r>
+              <a:rPr lang="pt-BR" b="1" i="1" dirty="0"/>
+              <a:t>Capacidade 2</a:t>
+            </a:r>
+          </a:p>
+        </p:txBody>
+      </p:sp>
     </p:spTree>
     <p:extLst>
       <p:ext uri="{BB962C8B-B14F-4D97-AF65-F5344CB8AC3E}">
@@ -4423,6 +4508,52 @@
           </a:prstGeom>
         </p:spPr>
       </p:pic>
+      <p:sp>
+        <p:nvSpPr>
+          <p:cNvPr id="4" name="Elipse 3">
+            <a:extLst>
+              <a:ext uri="{FF2B5EF4-FFF2-40B4-BE49-F238E27FC236}">
+                <a16:creationId xmlns:a16="http://schemas.microsoft.com/office/drawing/2014/main" id="{3AC6BFEA-039C-447C-B457-C78C1E071ED6}"/>
+              </a:ext>
+            </a:extLst>
+          </p:cNvPr>
+          <p:cNvSpPr/>
+          <p:nvPr/>
+        </p:nvSpPr>
+        <p:spPr>
+          <a:xfrm>
+            <a:off x="5757470" y="2483141"/>
+            <a:ext cx="338530" cy="352337"/>
+          </a:xfrm>
+          <a:prstGeom prst="ellipse">
+            <a:avLst/>
+          </a:prstGeom>
+        </p:spPr>
+        <p:style>
+          <a:lnRef idx="2">
+            <a:schemeClr val="dk1">
+              <a:shade val="50000"/>
+            </a:schemeClr>
+          </a:lnRef>
+          <a:fillRef idx="1">
+            <a:schemeClr val="dk1"/>
+          </a:fillRef>
+          <a:effectRef idx="0">
+            <a:schemeClr val="dk1"/>
+          </a:effectRef>
+          <a:fontRef idx="minor">
+            <a:schemeClr val="lt1"/>
+          </a:fontRef>
+        </p:style>
+        <p:txBody>
+          <a:bodyPr rtlCol="0" anchor="ctr"/>
+          <a:lstStyle/>
+          <a:p>
+            <a:pPr algn="ctr"/>
+            <a:endParaRPr lang="pt-BR"/>
+          </a:p>
+        </p:txBody>
+      </p:sp>
     </p:spTree>
     <p:extLst>
       <p:ext uri="{BB962C8B-B14F-4D97-AF65-F5344CB8AC3E}">
@@ -4489,6 +4620,52 @@
           </a:prstGeom>
         </p:spPr>
       </p:pic>
+      <p:sp>
+        <p:nvSpPr>
+          <p:cNvPr id="4" name="Elipse 3">
+            <a:extLst>
+              <a:ext uri="{FF2B5EF4-FFF2-40B4-BE49-F238E27FC236}">
+                <a16:creationId xmlns:a16="http://schemas.microsoft.com/office/drawing/2014/main" id="{83416AA8-8F64-4CAC-9B95-FC525EC3C533}"/>
+              </a:ext>
+            </a:extLst>
+          </p:cNvPr>
+          <p:cNvSpPr/>
+          <p:nvPr/>
+        </p:nvSpPr>
+        <p:spPr>
+          <a:xfrm>
+            <a:off x="5757469" y="2306972"/>
+            <a:ext cx="338530" cy="352337"/>
+          </a:xfrm>
+          <a:prstGeom prst="ellipse">
+            <a:avLst/>
+          </a:prstGeom>
+        </p:spPr>
+        <p:style>
+          <a:lnRef idx="2">
+            <a:schemeClr val="dk1">
+              <a:shade val="50000"/>
+            </a:schemeClr>
+          </a:lnRef>
+          <a:fillRef idx="1">
+            <a:schemeClr val="dk1"/>
+          </a:fillRef>
+          <a:effectRef idx="0">
+            <a:schemeClr val="dk1"/>
+          </a:effectRef>
+          <a:fontRef idx="minor">
+            <a:schemeClr val="lt1"/>
+          </a:fontRef>
+        </p:style>
+        <p:txBody>
+          <a:bodyPr rtlCol="0" anchor="ctr"/>
+          <a:lstStyle/>
+          <a:p>
+            <a:pPr algn="ctr"/>
+            <a:endParaRPr lang="pt-BR"/>
+          </a:p>
+        </p:txBody>
+      </p:sp>
     </p:spTree>
     <p:extLst>
       <p:ext uri="{BB962C8B-B14F-4D97-AF65-F5344CB8AC3E}">
@@ -4555,6 +4732,52 @@
           </a:prstGeom>
         </p:spPr>
       </p:pic>
+      <p:sp>
+        <p:nvSpPr>
+          <p:cNvPr id="4" name="Elipse 3">
+            <a:extLst>
+              <a:ext uri="{FF2B5EF4-FFF2-40B4-BE49-F238E27FC236}">
+                <a16:creationId xmlns:a16="http://schemas.microsoft.com/office/drawing/2014/main" id="{7B93543A-6A10-424A-9281-9501745F1EC3}"/>
+              </a:ext>
+            </a:extLst>
+          </p:cNvPr>
+          <p:cNvSpPr/>
+          <p:nvPr/>
+        </p:nvSpPr>
+        <p:spPr>
+          <a:xfrm>
+            <a:off x="2888436" y="1870745"/>
+            <a:ext cx="338530" cy="352337"/>
+          </a:xfrm>
+          <a:prstGeom prst="ellipse">
+            <a:avLst/>
+          </a:prstGeom>
+        </p:spPr>
+        <p:style>
+          <a:lnRef idx="2">
+            <a:schemeClr val="dk1">
+              <a:shade val="50000"/>
+            </a:schemeClr>
+          </a:lnRef>
+          <a:fillRef idx="1">
+            <a:schemeClr val="dk1"/>
+          </a:fillRef>
+          <a:effectRef idx="0">
+            <a:schemeClr val="dk1"/>
+          </a:effectRef>
+          <a:fontRef idx="minor">
+            <a:schemeClr val="lt1"/>
+          </a:fontRef>
+        </p:style>
+        <p:txBody>
+          <a:bodyPr rtlCol="0" anchor="ctr"/>
+          <a:lstStyle/>
+          <a:p>
+            <a:pPr algn="ctr"/>
+            <a:endParaRPr lang="pt-BR"/>
+          </a:p>
+        </p:txBody>
+      </p:sp>
     </p:spTree>
     <p:extLst>
       <p:ext uri="{BB962C8B-B14F-4D97-AF65-F5344CB8AC3E}">
